--- a/doc/slides/day2/session1/SamFormatAndFiltering.pptx
+++ b/doc/slides/day2/session1/SamFormatAndFiltering.pptx
@@ -5,7 +5,7 @@
     <p:sldMasterId id="2147483648" r:id="rId1"/>
   </p:sldMasterIdLst>
   <p:notesMasterIdLst>
-    <p:notesMasterId r:id="rId10"/>
+    <p:notesMasterId r:id="rId9"/>
   </p:notesMasterIdLst>
   <p:sldIdLst>
     <p:sldId id="263" r:id="rId2"/>
@@ -15,7 +15,6 @@
     <p:sldId id="259" r:id="rId6"/>
     <p:sldId id="260" r:id="rId7"/>
     <p:sldId id="262" r:id="rId8"/>
-    <p:sldId id="264" r:id="rId9"/>
   </p:sldIdLst>
   <p:sldSz cx="9144000" cy="6858000" type="screen4x3"/>
   <p:notesSz cx="6858000" cy="9144000"/>
@@ -4331,210 +4330,227 @@
         <p:spPr/>
         <p:txBody>
           <a:bodyPr>
-            <a:normAutofit/>
+            <a:normAutofit fontScale="70000" lnSpcReduction="20000"/>
           </a:bodyPr>
           <a:lstStyle/>
           <a:p>
             <a:r>
+              <a:rPr lang="en-US" dirty="0" err="1" smtClean="0"/>
+              <a:t>cp</a:t>
+            </a:r>
+            <a:r>
               <a:rPr lang="en-US" dirty="0" smtClean="0"/>
-              <a:t>Write a </a:t>
+              <a:t> /</a:t>
             </a:r>
             <a:r>
               <a:rPr lang="en-US" dirty="0" err="1" smtClean="0"/>
-              <a:t>perl</a:t>
+              <a:t>gsd</a:t>
             </a:r>
             <a:r>
               <a:rPr lang="en-US" dirty="0" smtClean="0"/>
-              <a:t> script to filter either aligned or unaligned entries in SAM STDIN to STDOUT along with the Sam headers (use a </a:t>
+              <a:t>/</a:t>
             </a:r>
             <a:r>
               <a:rPr lang="en-US" dirty="0" err="1" smtClean="0"/>
-              <a:t>commandline</a:t>
+              <a:t>To_Participant</a:t>
             </a:r>
             <a:r>
               <a:rPr lang="en-US" dirty="0" smtClean="0"/>
-              <a:t> switch)</a:t>
-            </a:r>
-          </a:p>
-          <a:p>
+              <a:t>/ARANGS13/</a:t>
+            </a:r>
+            <a:r>
+              <a:rPr lang="en-US" dirty="0" err="1" smtClean="0"/>
+              <a:t>arangs</a:t>
+            </a:r>
             <a:r>
               <a:rPr lang="en-US" dirty="0" smtClean="0"/>
-              <a:t>Modify process </a:t>
-            </a:r>
-            <a:r>
-              <a:rPr lang="en-US" smtClean="0"/>
-              <a:t>in Exercise 1 </a:t>
+              <a:t>/</a:t>
+            </a:r>
+            <a:r>
+              <a:rPr lang="en-US" dirty="0" err="1" smtClean="0"/>
+              <a:t>src</a:t>
             </a:r>
             <a:r>
               <a:rPr lang="en-US" dirty="0" smtClean="0"/>
-              <a:t>to create sorted </a:t>
+              <a:t>/</a:t>
             </a:r>
             <a:r>
               <a:rPr lang="en-US" dirty="0" err="1" smtClean="0"/>
-              <a:t>aligned.bam</a:t>
+              <a:t>filter_sam.pl</a:t>
+            </a:r>
+            <a:r>
+              <a:rPr lang="en-US" dirty="0"/>
+              <a:t> </a:t>
+            </a:r>
+            <a:r>
+              <a:rPr lang="en-US" dirty="0" err="1" smtClean="0"/>
+              <a:t>bwa_alignment</a:t>
+            </a:r>
+            <a:endParaRPr lang="en-US" dirty="0" smtClean="0"/>
+          </a:p>
+          <a:p>
+            <a:r>
+              <a:rPr lang="en-US" dirty="0" err="1" smtClean="0"/>
+              <a:t>cp</a:t>
             </a:r>
             <a:r>
               <a:rPr lang="en-US" dirty="0" smtClean="0"/>
-              <a:t> and </a:t>
+              <a:t> /</a:t>
             </a:r>
             <a:r>
               <a:rPr lang="en-US" dirty="0" err="1" smtClean="0"/>
-              <a:t>unaligned.bam</a:t>
+              <a:t>gsd</a:t>
             </a:r>
             <a:r>
               <a:rPr lang="en-US" dirty="0" smtClean="0"/>
-              <a:t> files</a:t>
-            </a:r>
-          </a:p>
-          <a:p>
+              <a:t>/</a:t>
+            </a:r>
+            <a:r>
+              <a:rPr lang="en-US" dirty="0" err="1" smtClean="0"/>
+              <a:t>To_Participant</a:t>
+            </a:r>
             <a:r>
               <a:rPr lang="en-US" dirty="0" smtClean="0"/>
-              <a:t>Prove you can merge these back to form a copy of the original </a:t>
+              <a:t>/ARANGS13/U0015717.bam .</a:t>
+            </a:r>
+          </a:p>
+          <a:p>
+            <a:r>
+              <a:rPr lang="en-US" dirty="0" smtClean="0"/>
+              <a:t>Use </a:t>
             </a:r>
             <a:r>
               <a:rPr lang="en-US" dirty="0" err="1" smtClean="0"/>
-              <a:t>aln.bam</a:t>
+              <a:t>samtools</a:t>
             </a:r>
             <a:r>
               <a:rPr lang="en-US" dirty="0" smtClean="0"/>
+              <a:t> to output </a:t>
+            </a:r>
+            <a:r>
+              <a:rPr lang="en-US" dirty="0" err="1" smtClean="0"/>
+              <a:t>sam</a:t>
+            </a:r>
+            <a:r>
+              <a:rPr lang="en-US" dirty="0" smtClean="0"/>
+              <a:t> format with the </a:t>
+            </a:r>
+            <a:r>
+              <a:rPr lang="en-US" dirty="0" err="1" smtClean="0"/>
+              <a:t>sam</a:t>
+            </a:r>
+            <a:r>
+              <a:rPr lang="en-US" dirty="0" smtClean="0"/>
+              <a:t> headers into </a:t>
+            </a:r>
+            <a:r>
+              <a:rPr lang="en-US" dirty="0" err="1" smtClean="0"/>
+              <a:t>filter_sam.pl</a:t>
+            </a:r>
+            <a:r>
+              <a:rPr lang="en-US" dirty="0" smtClean="0"/>
+              <a:t> then back to </a:t>
+            </a:r>
+            <a:r>
+              <a:rPr lang="en-US" dirty="0" err="1" smtClean="0"/>
+              <a:t>samtools</a:t>
+            </a:r>
+            <a:r>
+              <a:rPr lang="en-US" dirty="0" smtClean="0"/>
+              <a:t> to produce a sorted U0015717.unaligned.bam file of reads that did not align</a:t>
+            </a:r>
+          </a:p>
+          <a:p>
+            <a:r>
+              <a:rPr lang="en-US" dirty="0" smtClean="0"/>
+              <a:t>Look at the </a:t>
+            </a:r>
+            <a:r>
+              <a:rPr lang="en-US" dirty="0" err="1" smtClean="0"/>
+              <a:t>flagstats</a:t>
+            </a:r>
+            <a:r>
+              <a:rPr lang="en-US" dirty="0" smtClean="0"/>
+              <a:t> of U0015717.unaligned.bam</a:t>
+            </a:r>
+          </a:p>
+          <a:p>
+            <a:r>
+              <a:rPr lang="en-US" dirty="0" smtClean="0"/>
+              <a:t>Repeat, but produce U0015717.aligned.bam of reads that aligned</a:t>
+            </a:r>
+          </a:p>
+          <a:p>
+            <a:r>
+              <a:rPr lang="en-US" dirty="0" smtClean="0"/>
+              <a:t>Look at the </a:t>
+            </a:r>
+            <a:r>
+              <a:rPr lang="en-US" dirty="0" err="1" smtClean="0"/>
+              <a:t>flagstats</a:t>
+            </a:r>
+            <a:r>
+              <a:rPr lang="en-US" dirty="0" smtClean="0"/>
+              <a:t> of U0015717.aligned.bam</a:t>
+            </a:r>
+          </a:p>
+          <a:p>
+            <a:r>
+              <a:rPr lang="en-US" dirty="0" smtClean="0"/>
+              <a:t>Merge the aligned and unaligned </a:t>
+            </a:r>
+            <a:r>
+              <a:rPr lang="en-US" dirty="0" err="1" smtClean="0"/>
+              <a:t>bams</a:t>
+            </a:r>
+            <a:r>
+              <a:rPr lang="en-US" dirty="0" smtClean="0"/>
+              <a:t> </a:t>
+            </a:r>
+            <a:r>
+              <a:rPr lang="en-US" dirty="0" smtClean="0"/>
+              <a:t>back to </a:t>
+            </a:r>
+            <a:r>
+              <a:rPr lang="en-US" dirty="0" smtClean="0"/>
+              <a:t>U0015717.2.</a:t>
+            </a:r>
+            <a:r>
+              <a:rPr lang="en-US" smtClean="0"/>
+              <a:t>bam</a:t>
+            </a:r>
+            <a:r>
+              <a:rPr lang="en-US" smtClean="0"/>
               <a:t> file</a:t>
             </a:r>
-            <a:endParaRPr lang="en-US" dirty="0"/>
-          </a:p>
-        </p:txBody>
-      </p:sp>
-    </p:spTree>
-  </p:cSld>
-  <p:clrMapOvr>
-    <a:masterClrMapping/>
-  </p:clrMapOvr>
-</p:sld>
-</file>
-
-<file path=ppt/slides/slide8.xml><?xml version="1.0" encoding="utf-8"?>
-<p:sld xmlns:a="http://schemas.openxmlformats.org/drawingml/2006/main" xmlns:r="http://schemas.openxmlformats.org/officeDocument/2006/relationships" xmlns:p="http://schemas.openxmlformats.org/presentationml/2006/main">
-  <p:cSld>
-    <p:spTree>
-      <p:nvGrpSpPr>
-        <p:cNvPr id="1" name=""/>
-        <p:cNvGrpSpPr/>
-        <p:nvPr/>
-      </p:nvGrpSpPr>
-      <p:grpSpPr>
-        <a:xfrm>
-          <a:off x="0" y="0"/>
-          <a:ext cx="0" cy="0"/>
-          <a:chOff x="0" y="0"/>
-          <a:chExt cx="0" cy="0"/>
-        </a:xfrm>
-      </p:grpSpPr>
-      <p:sp>
-        <p:nvSpPr>
-          <p:cNvPr id="2" name="Title 1"/>
-          <p:cNvSpPr>
-            <a:spLocks noGrp="1"/>
-          </p:cNvSpPr>
-          <p:nvPr>
-            <p:ph type="title"/>
-          </p:nvPr>
-        </p:nvSpPr>
-        <p:spPr/>
-        <p:txBody>
-          <a:bodyPr/>
-          <a:lstStyle/>
+            <a:endParaRPr lang="en-US" dirty="0" smtClean="0"/>
+          </a:p>
           <a:p>
             <a:r>
               <a:rPr lang="en-US" dirty="0" smtClean="0"/>
-              <a:t>Answers (</a:t>
+              <a:t>Look at the </a:t>
             </a:r>
             <a:r>
               <a:rPr lang="en-US" dirty="0" err="1" smtClean="0"/>
-              <a:t>dont</a:t>
+              <a:t>flagstats</a:t>
             </a:r>
             <a:r>
               <a:rPr lang="en-US" dirty="0" smtClean="0"/>
-              <a:t> cheat)</a:t>
-            </a:r>
-            <a:endParaRPr lang="en-US" dirty="0"/>
-          </a:p>
-        </p:txBody>
-      </p:sp>
-      <p:sp>
-        <p:nvSpPr>
-          <p:cNvPr id="3" name="Content Placeholder 2"/>
-          <p:cNvSpPr>
-            <a:spLocks noGrp="1"/>
-          </p:cNvSpPr>
-          <p:nvPr>
-            <p:ph idx="1"/>
-          </p:nvPr>
-        </p:nvSpPr>
-        <p:spPr/>
-        <p:txBody>
-          <a:bodyPr/>
-          <a:lstStyle/>
-          <a:p>
-            <a:pPr>
-              <a:buNone/>
-            </a:pPr>
-            <a:endParaRPr lang="en-US" dirty="0" smtClean="0"/>
-          </a:p>
-          <a:p>
-            <a:pPr>
-              <a:buFont typeface="Wingdings" charset="2"/>
-              <a:buChar char="Ø"/>
-            </a:pPr>
+              <a:t> of U0015717.bam</a:t>
+            </a:r>
+          </a:p>
+          <a:p>
+            <a:r>
+              <a:rPr lang="en-US" dirty="0" smtClean="0"/>
+              <a:t>Look at the </a:t>
+            </a:r>
             <a:r>
               <a:rPr lang="en-US" dirty="0" err="1" smtClean="0"/>
-              <a:t>git</a:t>
+              <a:t>flagstats</a:t>
             </a:r>
             <a:r>
               <a:rPr lang="en-US" dirty="0" smtClean="0"/>
-              <a:t> checkout –</a:t>
-            </a:r>
-            <a:r>
-              <a:rPr lang="en-US" dirty="0" err="1" smtClean="0"/>
-              <a:t>b</a:t>
-            </a:r>
-            <a:r>
-              <a:rPr lang="en-US" dirty="0" smtClean="0"/>
-              <a:t> answers_d2s1 origin/answers_d2s1</a:t>
-            </a:r>
-          </a:p>
-          <a:p>
-            <a:pPr>
-              <a:buFont typeface="Wingdings" charset="2"/>
-              <a:buChar char="Ø"/>
-            </a:pPr>
-            <a:r>
-              <a:rPr lang="en-US" dirty="0" smtClean="0"/>
-              <a:t>edit </a:t>
-            </a:r>
-            <a:r>
-              <a:rPr lang="en-US" dirty="0" err="1" smtClean="0"/>
-              <a:t>src/filter_sam.pl</a:t>
-            </a:r>
-            <a:endParaRPr lang="en-US" dirty="0" smtClean="0"/>
-          </a:p>
-          <a:p>
-            <a:pPr>
-              <a:buFont typeface="Wingdings" charset="2"/>
-              <a:buChar char="Ø"/>
-            </a:pPr>
-            <a:endParaRPr lang="en-US" dirty="0" smtClean="0"/>
-          </a:p>
-          <a:p>
-            <a:pPr>
-              <a:buFont typeface="Wingdings" charset="2"/>
-              <a:buChar char="Ø"/>
-            </a:pPr>
-            <a:r>
-              <a:rPr lang="en-US" dirty="0" err="1" smtClean="0"/>
-              <a:t>git</a:t>
-            </a:r>
-            <a:r>
-              <a:rPr lang="en-US" dirty="0" smtClean="0"/>
-              <a:t> checkout master</a:t>
+              <a:t> of U0015717.2.bam (are they the same)</a:t>
             </a:r>
           </a:p>
         </p:txBody>

--- a/doc/slides/day2/session1/SamFormatAndFiltering.pptx
+++ b/doc/slides/day2/session1/SamFormatAndFiltering.pptx
@@ -199,7 +199,7 @@
             <a:fld id="{11D2843E-FABA-5647-BE09-469D1564CF94}" type="datetimeFigureOut">
               <a:rPr lang="en-US" smtClean="0"/>
               <a:pPr/>
-              <a:t>10/21/13</a:t>
+              <a:t>10/22/13</a:t>
             </a:fld>
             <a:endParaRPr lang="en-US"/>
           </a:p>
@@ -746,7 +746,7 @@
             <a:fld id="{92EB5B03-E054-B54F-97A5-9471F82931B5}" type="datetimeFigureOut">
               <a:rPr lang="en-US" smtClean="0"/>
               <a:pPr/>
-              <a:t>10/21/13</a:t>
+              <a:t>10/22/13</a:t>
             </a:fld>
             <a:endParaRPr lang="en-US"/>
           </a:p>
@@ -913,7 +913,7 @@
             <a:fld id="{92EB5B03-E054-B54F-97A5-9471F82931B5}" type="datetimeFigureOut">
               <a:rPr lang="en-US" smtClean="0"/>
               <a:pPr/>
-              <a:t>10/21/13</a:t>
+              <a:t>10/22/13</a:t>
             </a:fld>
             <a:endParaRPr lang="en-US"/>
           </a:p>
@@ -1090,7 +1090,7 @@
             <a:fld id="{92EB5B03-E054-B54F-97A5-9471F82931B5}" type="datetimeFigureOut">
               <a:rPr lang="en-US" smtClean="0"/>
               <a:pPr/>
-              <a:t>10/21/13</a:t>
+              <a:t>10/22/13</a:t>
             </a:fld>
             <a:endParaRPr lang="en-US"/>
           </a:p>
@@ -1257,7 +1257,7 @@
             <a:fld id="{92EB5B03-E054-B54F-97A5-9471F82931B5}" type="datetimeFigureOut">
               <a:rPr lang="en-US" smtClean="0"/>
               <a:pPr/>
-              <a:t>10/21/13</a:t>
+              <a:t>10/22/13</a:t>
             </a:fld>
             <a:endParaRPr lang="en-US"/>
           </a:p>
@@ -1500,7 +1500,7 @@
             <a:fld id="{92EB5B03-E054-B54F-97A5-9471F82931B5}" type="datetimeFigureOut">
               <a:rPr lang="en-US" smtClean="0"/>
               <a:pPr/>
-              <a:t>10/21/13</a:t>
+              <a:t>10/22/13</a:t>
             </a:fld>
             <a:endParaRPr lang="en-US"/>
           </a:p>
@@ -1785,7 +1785,7 @@
             <a:fld id="{92EB5B03-E054-B54F-97A5-9471F82931B5}" type="datetimeFigureOut">
               <a:rPr lang="en-US" smtClean="0"/>
               <a:pPr/>
-              <a:t>10/21/13</a:t>
+              <a:t>10/22/13</a:t>
             </a:fld>
             <a:endParaRPr lang="en-US"/>
           </a:p>
@@ -2204,7 +2204,7 @@
             <a:fld id="{92EB5B03-E054-B54F-97A5-9471F82931B5}" type="datetimeFigureOut">
               <a:rPr lang="en-US" smtClean="0"/>
               <a:pPr/>
-              <a:t>10/21/13</a:t>
+              <a:t>10/22/13</a:t>
             </a:fld>
             <a:endParaRPr lang="en-US"/>
           </a:p>
@@ -2319,7 +2319,7 @@
             <a:fld id="{92EB5B03-E054-B54F-97A5-9471F82931B5}" type="datetimeFigureOut">
               <a:rPr lang="en-US" smtClean="0"/>
               <a:pPr/>
-              <a:t>10/21/13</a:t>
+              <a:t>10/22/13</a:t>
             </a:fld>
             <a:endParaRPr lang="en-US"/>
           </a:p>
@@ -2411,7 +2411,7 @@
             <a:fld id="{92EB5B03-E054-B54F-97A5-9471F82931B5}" type="datetimeFigureOut">
               <a:rPr lang="en-US" smtClean="0"/>
               <a:pPr/>
-              <a:t>10/21/13</a:t>
+              <a:t>10/22/13</a:t>
             </a:fld>
             <a:endParaRPr lang="en-US"/>
           </a:p>
@@ -2685,7 +2685,7 @@
             <a:fld id="{92EB5B03-E054-B54F-97A5-9471F82931B5}" type="datetimeFigureOut">
               <a:rPr lang="en-US" smtClean="0"/>
               <a:pPr/>
-              <a:t>10/21/13</a:t>
+              <a:t>10/22/13</a:t>
             </a:fld>
             <a:endParaRPr lang="en-US"/>
           </a:p>
@@ -2935,7 +2935,7 @@
             <a:fld id="{92EB5B03-E054-B54F-97A5-9471F82931B5}" type="datetimeFigureOut">
               <a:rPr lang="en-US" smtClean="0"/>
               <a:pPr/>
-              <a:t>10/21/13</a:t>
+              <a:t>10/22/13</a:t>
             </a:fld>
             <a:endParaRPr lang="en-US"/>
           </a:p>
@@ -3145,7 +3145,7 @@
             <a:fld id="{92EB5B03-E054-B54F-97A5-9471F82931B5}" type="datetimeFigureOut">
               <a:rPr lang="en-US" smtClean="0"/>
               <a:pPr/>
-              <a:t>10/21/13</a:t>
+              <a:t>10/22/13</a:t>
             </a:fld>
             <a:endParaRPr lang="en-US"/>
           </a:p>
@@ -4417,47 +4417,19 @@
           <a:p>
             <a:r>
               <a:rPr lang="en-US" dirty="0" smtClean="0"/>
-              <a:t>Use </a:t>
-            </a:r>
-            <a:r>
-              <a:rPr lang="en-US" dirty="0" err="1" smtClean="0"/>
-              <a:t>samtools</a:t>
+              <a:t>From U0015717.bam, produce </a:t>
             </a:r>
             <a:r>
               <a:rPr lang="en-US" dirty="0" smtClean="0"/>
-              <a:t> to output </a:t>
-            </a:r>
-            <a:r>
-              <a:rPr lang="en-US" dirty="0" err="1" smtClean="0"/>
-              <a:t>sam</a:t>
+              <a:t>a sorted U0015717.</a:t>
             </a:r>
             <a:r>
               <a:rPr lang="en-US" dirty="0" smtClean="0"/>
-              <a:t> format with the </a:t>
-            </a:r>
-            <a:r>
-              <a:rPr lang="en-US" dirty="0" err="1" smtClean="0"/>
-              <a:t>sam</a:t>
+              <a:t>unaligned_reads.bam </a:t>
             </a:r>
             <a:r>
               <a:rPr lang="en-US" dirty="0" smtClean="0"/>
-              <a:t> headers into </a:t>
-            </a:r>
-            <a:r>
-              <a:rPr lang="en-US" dirty="0" err="1" smtClean="0"/>
-              <a:t>filter_sam.pl</a:t>
-            </a:r>
-            <a:r>
-              <a:rPr lang="en-US" dirty="0" smtClean="0"/>
-              <a:t> then back to </a:t>
-            </a:r>
-            <a:r>
-              <a:rPr lang="en-US" dirty="0" err="1" smtClean="0"/>
-              <a:t>samtools</a:t>
-            </a:r>
-            <a:r>
-              <a:rPr lang="en-US" dirty="0" smtClean="0"/>
-              <a:t> to produce a sorted U0015717.unaligned.bam file of reads that did not align</a:t>
+              <a:t>file of reads that did not align</a:t>
             </a:r>
           </a:p>
           <a:p>
@@ -4471,13 +4443,26 @@
             </a:r>
             <a:r>
               <a:rPr lang="en-US" dirty="0" smtClean="0"/>
-              <a:t> of U0015717.unaligned.bam</a:t>
-            </a:r>
-          </a:p>
-          <a:p>
+              <a:t> of U0015717.</a:t>
+            </a:r>
             <a:r>
               <a:rPr lang="en-US" dirty="0" smtClean="0"/>
-              <a:t>Repeat, but produce U0015717.aligned.bam of reads that aligned</a:t>
+              <a:t>unaligned_reads.bam</a:t>
+            </a:r>
+            <a:endParaRPr lang="en-US" dirty="0" smtClean="0"/>
+          </a:p>
+          <a:p>
+            <a:r>
+              <a:rPr lang="en-US" dirty="0" smtClean="0"/>
+              <a:t>Repeat, but produce U0015717.</a:t>
+            </a:r>
+            <a:r>
+              <a:rPr lang="en-US" dirty="0" smtClean="0"/>
+              <a:t>aligned_reads.bam </a:t>
+            </a:r>
+            <a:r>
+              <a:rPr lang="en-US" dirty="0" smtClean="0"/>
+              <a:t>of reads that aligned</a:t>
             </a:r>
           </a:p>
           <a:p>
@@ -4491,8 +4476,13 @@
             </a:r>
             <a:r>
               <a:rPr lang="en-US" dirty="0" smtClean="0"/>
-              <a:t> of U0015717.aligned.bam</a:t>
-            </a:r>
+              <a:t> of U0015717.</a:t>
+            </a:r>
+            <a:r>
+              <a:rPr lang="en-US" dirty="0" smtClean="0"/>
+              <a:t>aligned_reads.bam</a:t>
+            </a:r>
+            <a:endParaRPr lang="en-US" dirty="0" smtClean="0"/>
           </a:p>
           <a:p>
             <a:r>
@@ -4505,23 +4495,15 @@
             </a:r>
             <a:r>
               <a:rPr lang="en-US" dirty="0" smtClean="0"/>
-              <a:t> </a:t>
+              <a:t> back to </a:t>
             </a:r>
             <a:r>
               <a:rPr lang="en-US" dirty="0" smtClean="0"/>
-              <a:t>back to </a:t>
-            </a:r>
-            <a:r>
-              <a:rPr lang="en-US" dirty="0" smtClean="0"/>
-              <a:t>U0015717.2.</a:t>
-            </a:r>
-            <a:r>
-              <a:rPr lang="en-US" smtClean="0"/>
-              <a:t>bam</a:t>
-            </a:r>
-            <a:r>
-              <a:rPr lang="en-US" smtClean="0"/>
-              <a:t> file</a:t>
+              <a:t>a file called </a:t>
+            </a:r>
+            <a:r>
+              <a:rPr lang="en-US" dirty="0" err="1" smtClean="0"/>
+              <a:t>all_reads.bam</a:t>
             </a:r>
             <a:endParaRPr lang="en-US" dirty="0" smtClean="0"/>
           </a:p>
@@ -4550,8 +4532,29 @@
             </a:r>
             <a:r>
               <a:rPr lang="en-US" dirty="0" smtClean="0"/>
-              <a:t> of U0015717.2.bam (are they the same)</a:t>
-            </a:r>
+              <a:t> of </a:t>
+            </a:r>
+            <a:r>
+              <a:rPr lang="en-US" dirty="0" err="1" smtClean="0"/>
+              <a:t>all_reads.bam</a:t>
+            </a:r>
+            <a:r>
+              <a:rPr lang="en-US" dirty="0" smtClean="0"/>
+              <a:t> </a:t>
+            </a:r>
+            <a:r>
+              <a:rPr lang="en-US" dirty="0" smtClean="0"/>
+              <a:t>(are they </a:t>
+            </a:r>
+            <a:r>
+              <a:rPr lang="en-US" smtClean="0"/>
+              <a:t>the </a:t>
+            </a:r>
+            <a:r>
+              <a:rPr lang="en-US" smtClean="0"/>
+              <a:t>same as U0015717.bam?)</a:t>
+            </a:r>
+            <a:endParaRPr lang="en-US" dirty="0" smtClean="0"/>
           </a:p>
         </p:txBody>
       </p:sp>
